--- a/PROJECT/Australian Marriage Law Postal Survey 2017.pptx
+++ b/PROJECT/Australian Marriage Law Postal Survey 2017.pptx
@@ -13,8 +13,8 @@
     <p:sldId id="263" r:id="rId7"/>
     <p:sldId id="286" r:id="rId8"/>
     <p:sldId id="287" r:id="rId9"/>
-    <p:sldId id="262" r:id="rId10"/>
-    <p:sldId id="288" r:id="rId11"/>
+    <p:sldId id="288" r:id="rId10"/>
+    <p:sldId id="262" r:id="rId11"/>
     <p:sldId id="272" r:id="rId12"/>
     <p:sldId id="273" r:id="rId13"/>
     <p:sldId id="282" r:id="rId14"/>
@@ -6038,7 +6038,7 @@
           <a:p>
             <a:r>
               <a:rPr lang="en-AU" dirty="0"/>
-              <a:t>Snapshots raw data</a:t>
+              <a:t>Snapshots ETL code</a:t>
             </a:r>
           </a:p>
         </p:txBody>
@@ -6076,8 +6076,13 @@
             </a:pPr>
             <a:r>
               <a:rPr lang="en-AU" sz="2400" b="1" dirty="0"/>
-              <a:t>Commonwealth electorate data</a:t>
+              <a:t>Merging </a:t>
             </a:r>
+            <a:r>
+              <a:rPr lang="en-AU" sz="2400" b="1" dirty="0" err="1"/>
+              <a:t>dataframes</a:t>
+            </a:r>
+            <a:endParaRPr lang="en-AU" sz="2400" b="1" dirty="0"/>
           </a:p>
           <a:p>
             <a:pPr marL="0" indent="0">
@@ -6102,6 +6107,15 @@
               <a:buNone/>
             </a:pPr>
             <a:endParaRPr lang="en-AU" sz="2400" dirty="0"/>
+          </a:p>
+          <a:p>
+            <a:pPr marL="0" indent="0">
+              <a:buNone/>
+            </a:pPr>
+            <a:r>
+              <a:rPr lang="en-AU" sz="2400" b="1" dirty="0"/>
+              <a:t>Creating bins</a:t>
+            </a:r>
           </a:p>
         </p:txBody>
       </p:sp>
@@ -6301,10 +6315,10 @@
       </p:pic>
       <p:pic>
         <p:nvPicPr>
-          <p:cNvPr id="12" name="Picture 11">
-            <a:extLst>
-              <a:ext uri="{FF2B5EF4-FFF2-40B4-BE49-F238E27FC236}">
-                <a16:creationId xmlns:a16="http://schemas.microsoft.com/office/drawing/2014/main" id="{7618771A-4C34-43F7-BA2D-9646500EABF1}"/>
+          <p:cNvPr id="8" name="Picture 7">
+            <a:extLst>
+              <a:ext uri="{FF2B5EF4-FFF2-40B4-BE49-F238E27FC236}">
+                <a16:creationId xmlns:a16="http://schemas.microsoft.com/office/drawing/2014/main" id="{D18C2D1D-5D01-4153-B278-E90B7F4011B0}"/>
               </a:ext>
             </a:extLst>
           </p:cNvPr>
@@ -6321,8 +6335,8 @@
         </p:blipFill>
         <p:spPr>
           <a:xfrm>
-            <a:off x="1134922" y="2719018"/>
-            <a:ext cx="3738591" cy="2322683"/>
+            <a:off x="1248697" y="2697730"/>
+            <a:ext cx="5666823" cy="1462535"/>
           </a:xfrm>
           <a:prstGeom prst="rect">
             <a:avLst/>
@@ -6331,10 +6345,10 @@
       </p:pic>
       <p:pic>
         <p:nvPicPr>
-          <p:cNvPr id="13" name="Picture 12">
-            <a:extLst>
-              <a:ext uri="{FF2B5EF4-FFF2-40B4-BE49-F238E27FC236}">
-                <a16:creationId xmlns:a16="http://schemas.microsoft.com/office/drawing/2014/main" id="{1D0EC4CA-EDB6-4DAC-8105-793B4E21C9B3}"/>
+          <p:cNvPr id="10" name="Picture 9">
+            <a:extLst>
+              <a:ext uri="{FF2B5EF4-FFF2-40B4-BE49-F238E27FC236}">
+                <a16:creationId xmlns:a16="http://schemas.microsoft.com/office/drawing/2014/main" id="{40624D42-D077-4A3E-AB8F-5C41DF63EAAA}"/>
               </a:ext>
             </a:extLst>
           </p:cNvPr>
@@ -6351,8 +6365,8 @@
         </p:blipFill>
         <p:spPr>
           <a:xfrm>
-            <a:off x="3556785" y="4357732"/>
-            <a:ext cx="5053814" cy="1921674"/>
+            <a:off x="1136428" y="4920943"/>
+            <a:ext cx="6229067" cy="1615685"/>
           </a:xfrm>
           <a:prstGeom prst="rect">
             <a:avLst/>
@@ -6362,7 +6376,7 @@
     </p:spTree>
     <p:extLst>
       <p:ext uri="{BB962C8B-B14F-4D97-AF65-F5344CB8AC3E}">
-        <p14:creationId xmlns:p14="http://schemas.microsoft.com/office/powerpoint/2010/main" val="367704311"/>
+        <p14:creationId xmlns:p14="http://schemas.microsoft.com/office/powerpoint/2010/main" val="136818763"/>
       </p:ext>
     </p:extLst>
   </p:cSld>
@@ -16159,7 +16173,7 @@
           <a:p>
             <a:r>
               <a:rPr lang="en-AU" dirty="0"/>
-              <a:t>Snapshots ETL code</a:t>
+              <a:t>Snapshots raw data</a:t>
             </a:r>
           </a:p>
         </p:txBody>
@@ -16197,13 +16211,8 @@
             </a:pPr>
             <a:r>
               <a:rPr lang="en-AU" sz="2400" b="1" dirty="0"/>
-              <a:t>Merging </a:t>
+              <a:t>Commonwealth electorate data</a:t>
             </a:r>
-            <a:r>
-              <a:rPr lang="en-AU" sz="2400" b="1" dirty="0" err="1"/>
-              <a:t>dataframes</a:t>
-            </a:r>
-            <a:endParaRPr lang="en-AU" sz="2400" b="1" dirty="0"/>
           </a:p>
           <a:p>
             <a:pPr marL="0" indent="0">
@@ -16228,15 +16237,6 @@
               <a:buNone/>
             </a:pPr>
             <a:endParaRPr lang="en-AU" sz="2400" dirty="0"/>
-          </a:p>
-          <a:p>
-            <a:pPr marL="0" indent="0">
-              <a:buNone/>
-            </a:pPr>
-            <a:r>
-              <a:rPr lang="en-AU" sz="2400" b="1" dirty="0"/>
-              <a:t>Creating bins</a:t>
-            </a:r>
           </a:p>
         </p:txBody>
       </p:sp>
@@ -16436,10 +16436,10 @@
       </p:pic>
       <p:pic>
         <p:nvPicPr>
-          <p:cNvPr id="8" name="Picture 7">
-            <a:extLst>
-              <a:ext uri="{FF2B5EF4-FFF2-40B4-BE49-F238E27FC236}">
-                <a16:creationId xmlns:a16="http://schemas.microsoft.com/office/drawing/2014/main" id="{D18C2D1D-5D01-4153-B278-E90B7F4011B0}"/>
+          <p:cNvPr id="12" name="Picture 11">
+            <a:extLst>
+              <a:ext uri="{FF2B5EF4-FFF2-40B4-BE49-F238E27FC236}">
+                <a16:creationId xmlns:a16="http://schemas.microsoft.com/office/drawing/2014/main" id="{7618771A-4C34-43F7-BA2D-9646500EABF1}"/>
               </a:ext>
             </a:extLst>
           </p:cNvPr>
@@ -16456,8 +16456,8 @@
         </p:blipFill>
         <p:spPr>
           <a:xfrm>
-            <a:off x="1248697" y="2697730"/>
-            <a:ext cx="5666823" cy="1462535"/>
+            <a:off x="1134922" y="2719018"/>
+            <a:ext cx="3738591" cy="2322683"/>
           </a:xfrm>
           <a:prstGeom prst="rect">
             <a:avLst/>
@@ -16466,10 +16466,10 @@
       </p:pic>
       <p:pic>
         <p:nvPicPr>
-          <p:cNvPr id="10" name="Picture 9">
-            <a:extLst>
-              <a:ext uri="{FF2B5EF4-FFF2-40B4-BE49-F238E27FC236}">
-                <a16:creationId xmlns:a16="http://schemas.microsoft.com/office/drawing/2014/main" id="{40624D42-D077-4A3E-AB8F-5C41DF63EAAA}"/>
+          <p:cNvPr id="13" name="Picture 12">
+            <a:extLst>
+              <a:ext uri="{FF2B5EF4-FFF2-40B4-BE49-F238E27FC236}">
+                <a16:creationId xmlns:a16="http://schemas.microsoft.com/office/drawing/2014/main" id="{1D0EC4CA-EDB6-4DAC-8105-793B4E21C9B3}"/>
               </a:ext>
             </a:extLst>
           </p:cNvPr>
@@ -16486,8 +16486,8 @@
         </p:blipFill>
         <p:spPr>
           <a:xfrm>
-            <a:off x="1136428" y="4920943"/>
-            <a:ext cx="6229067" cy="1615685"/>
+            <a:off x="3556785" y="4357732"/>
+            <a:ext cx="5053814" cy="1921674"/>
           </a:xfrm>
           <a:prstGeom prst="rect">
             <a:avLst/>
@@ -16497,7 +16497,7 @@
     </p:spTree>
     <p:extLst>
       <p:ext uri="{BB962C8B-B14F-4D97-AF65-F5344CB8AC3E}">
-        <p14:creationId xmlns:p14="http://schemas.microsoft.com/office/powerpoint/2010/main" val="136818763"/>
+        <p14:creationId xmlns:p14="http://schemas.microsoft.com/office/powerpoint/2010/main" val="367704311"/>
       </p:ext>
     </p:extLst>
   </p:cSld>

--- a/PROJECT/Australian Marriage Law Postal Survey 2017.pptx
+++ b/PROJECT/Australian Marriage Law Postal Survey 2017.pptx
@@ -9039,8 +9039,13 @@
             </a:pPr>
             <a:r>
               <a:rPr lang="en-AU" sz="2400" b="1" dirty="0"/>
-              <a:t>Bubble chart</a:t>
+              <a:t>Bubble chart, pie chart </a:t>
             </a:r>
+            <a:r>
+              <a:rPr lang="en-AU" sz="2400" b="1"/>
+              <a:t>and bar chart	</a:t>
+            </a:r>
+            <a:endParaRPr lang="en-AU" sz="2400" b="1" dirty="0"/>
           </a:p>
           <a:p>
             <a:pPr marL="0" indent="0">
@@ -11494,11 +11499,7 @@
             </a:pPr>
             <a:r>
               <a:rPr lang="en-AU" sz="1600" dirty="0"/>
-              <a:t>The map shows the elected party within each electorate, as well as the yes votes and participation rate</a:t>
-            </a:r>
-            <a:r>
-              <a:rPr lang="en-AU" sz="1600"/>
-              <a:t>. </a:t>
+              <a:t>The map shows the elected party within each electorate, as well as the yes votes and participation rate. </a:t>
             </a:r>
           </a:p>
           <a:p>
@@ -11508,12 +11509,8 @@
               </a:buBlip>
             </a:pPr>
             <a:r>
-              <a:rPr lang="en-AU" sz="1700"/>
-              <a:t>This </a:t>
-            </a:r>
-            <a:r>
               <a:rPr lang="en-AU" sz="1700" dirty="0"/>
-              <a:t>allows politicians and campaign runners to target their campaigns to specific electorates based on </a:t>
+              <a:t>This allows politicians and campaign runners to target their campaigns to specific electorates based on </a:t>
             </a:r>
           </a:p>
           <a:p>
@@ -12475,105 +12472,105 @@
         </p:spPr>
         <p:txBody>
           <a:bodyPr anchor="t">
-            <a:normAutofit fontScale="92500" lnSpcReduction="20000"/>
+            <a:normAutofit/>
           </a:bodyPr>
           <a:lstStyle/>
           <a:p>
-            <a:pPr>
+            <a:pPr lvl="1">
               <a:buBlip>
                 <a:blip r:embed="rId2"/>
               </a:buBlip>
             </a:pPr>
             <a:r>
-              <a:rPr lang="en-AU" sz="2400" dirty="0"/>
+              <a:rPr lang="en-AU" sz="2000" dirty="0"/>
               <a:t>Theme and purpose </a:t>
             </a:r>
           </a:p>
           <a:p>
-            <a:pPr>
+            <a:pPr lvl="1">
               <a:buBlip>
                 <a:blip r:embed="rId2"/>
               </a:buBlip>
             </a:pPr>
             <a:r>
-              <a:rPr lang="en-AU" sz="2400" dirty="0"/>
+              <a:rPr lang="en-AU" sz="2000" dirty="0"/>
               <a:t>Project overview </a:t>
             </a:r>
           </a:p>
           <a:p>
-            <a:pPr>
+            <a:pPr lvl="1">
               <a:buBlip>
                 <a:blip r:embed="rId2"/>
               </a:buBlip>
             </a:pPr>
             <a:r>
-              <a:rPr lang="en-AU" sz="2400" dirty="0"/>
+              <a:rPr lang="en-AU" sz="2000" dirty="0"/>
               <a:t>Data sources</a:t>
             </a:r>
           </a:p>
           <a:p>
-            <a:pPr>
+            <a:pPr lvl="1">
               <a:buBlip>
                 <a:blip r:embed="rId2"/>
               </a:buBlip>
             </a:pPr>
             <a:r>
-              <a:rPr lang="en-AU" sz="2400" dirty="0"/>
+              <a:rPr lang="en-AU" sz="2000" dirty="0"/>
               <a:t>Extract, Transform and Load</a:t>
             </a:r>
           </a:p>
           <a:p>
-            <a:pPr>
+            <a:pPr lvl="1">
               <a:buBlip>
                 <a:blip r:embed="rId2"/>
               </a:buBlip>
             </a:pPr>
             <a:r>
-              <a:rPr lang="en-AU" sz="2400" dirty="0"/>
+              <a:rPr lang="en-AU" sz="2000" dirty="0"/>
               <a:t>Coding approach </a:t>
             </a:r>
           </a:p>
           <a:p>
-            <a:pPr>
+            <a:pPr lvl="1">
               <a:buBlip>
                 <a:blip r:embed="rId2"/>
               </a:buBlip>
             </a:pPr>
             <a:r>
-              <a:rPr lang="en-AU" sz="2400" dirty="0"/>
+              <a:rPr lang="en-AU" sz="2000" dirty="0"/>
               <a:t>Snapshots code, raw data and visualisations</a:t>
             </a:r>
           </a:p>
           <a:p>
-            <a:pPr>
+            <a:pPr lvl="1">
               <a:buBlip>
                 <a:blip r:embed="rId2"/>
               </a:buBlip>
             </a:pPr>
             <a:r>
-              <a:rPr lang="en-AU" sz="2400" dirty="0"/>
+              <a:rPr lang="en-AU" sz="2000" dirty="0"/>
               <a:t>Demonstration and observations</a:t>
             </a:r>
           </a:p>
           <a:p>
-            <a:pPr>
+            <a:pPr lvl="1">
               <a:buBlip>
                 <a:blip r:embed="rId2"/>
               </a:buBlip>
             </a:pPr>
             <a:r>
-              <a:rPr lang="en-AU" sz="2400" dirty="0"/>
+              <a:rPr lang="en-AU" sz="2000" dirty="0"/>
               <a:t>Enhancements and challenges</a:t>
             </a:r>
           </a:p>
           <a:p>
-            <a:pPr>
+            <a:pPr lvl="1">
               <a:buBlip>
                 <a:blip r:embed="rId2"/>
               </a:buBlip>
             </a:pPr>
             <a:r>
-              <a:rPr lang="en-AU" sz="2400" dirty="0"/>
+              <a:rPr lang="en-AU" sz="2000" dirty="0"/>
               <a:t>Questions</a:t>
             </a:r>
           </a:p>
